--- a/アパート管理について.pptx
+++ b/アパート管理について.pptx
@@ -10,6 +10,7 @@
     <p:sldId id="258" r:id="rId4"/>
     <p:sldId id="259" r:id="rId5"/>
     <p:sldId id="260" r:id="rId6"/>
+    <p:sldId id="261" r:id="rId7"/>
   </p:sldIdLst>
   <p:sldSz cx="12192000" cy="6858000"/>
   <p:notesSz cx="6858000" cy="9144000"/>
@@ -108,6 +109,11 @@
       </a:defRPr>
     </a:lvl9pPr>
   </p:defaultTextStyle>
+  <p:extLst>
+    <p:ext uri="{EFAFB233-063F-42B5-8137-9DF3F51BA10A}">
+      <p15:sldGuideLst xmlns:p15="http://schemas.microsoft.com/office/powerpoint/2012/main"/>
+    </p:ext>
+  </p:extLst>
 </p:presentation>
 </file>
 
@@ -4946,10 +4952,211 @@
           </a:p>
         </p:txBody>
       </p:sp>
+      <p:sp>
+        <p:nvSpPr>
+          <p:cNvPr id="3" name="正方形/長方形 2"/>
+          <p:cNvSpPr/>
+          <p:nvPr/>
+        </p:nvSpPr>
+        <p:spPr>
+          <a:xfrm>
+            <a:off x="1228254" y="2028473"/>
+            <a:ext cx="6096000" cy="369332"/>
+          </a:xfrm>
+          <a:prstGeom prst="rect">
+            <a:avLst/>
+          </a:prstGeom>
+        </p:spPr>
+        <p:txBody>
+          <a:bodyPr>
+            <a:spAutoFit/>
+          </a:bodyPr>
+          <a:lstStyle/>
+          <a:p>
+            <a:pPr>
+              <a:buFont typeface="Wingdings" panose="05000000000000000000" pitchFamily="2" charset="2"/>
+              <a:buChar char="u"/>
+            </a:pPr>
+            <a:r>
+              <a:rPr kumimoji="1" lang="ja-JP" altLang="en-US" dirty="0" smtClean="0"/>
+              <a:t>別紙にて</a:t>
+            </a:r>
+            <a:endParaRPr kumimoji="1" lang="ja-JP" altLang="en-US" dirty="0"/>
+          </a:p>
+        </p:txBody>
+      </p:sp>
     </p:spTree>
     <p:extLst>
       <p:ext uri="{BB962C8B-B14F-4D97-AF65-F5344CB8AC3E}">
         <p14:creationId xmlns:p14="http://schemas.microsoft.com/office/powerpoint/2010/main" val="1354512810"/>
+      </p:ext>
+    </p:extLst>
+  </p:cSld>
+  <p:clrMapOvr>
+    <a:masterClrMapping/>
+  </p:clrMapOvr>
+</p:sld>
+</file>
+
+<file path=ppt/slides/slide6.xml><?xml version="1.0" encoding="utf-8"?>
+<p:sld xmlns:a="http://schemas.openxmlformats.org/drawingml/2006/main" xmlns:r="http://schemas.openxmlformats.org/officeDocument/2006/relationships" xmlns:p="http://schemas.openxmlformats.org/presentationml/2006/main">
+  <p:cSld>
+    <p:spTree>
+      <p:nvGrpSpPr>
+        <p:cNvPr id="1" name=""/>
+        <p:cNvGrpSpPr/>
+        <p:nvPr/>
+      </p:nvGrpSpPr>
+      <p:grpSpPr>
+        <a:xfrm>
+          <a:off x="0" y="0"/>
+          <a:ext cx="0" cy="0"/>
+          <a:chOff x="0" y="0"/>
+          <a:chExt cx="0" cy="0"/>
+        </a:xfrm>
+      </p:grpSpPr>
+      <p:sp>
+        <p:nvSpPr>
+          <p:cNvPr id="2" name="タイトル 1"/>
+          <p:cNvSpPr>
+            <a:spLocks noGrp="1"/>
+          </p:cNvSpPr>
+          <p:nvPr>
+            <p:ph type="title"/>
+          </p:nvPr>
+        </p:nvSpPr>
+        <p:spPr/>
+        <p:txBody>
+          <a:bodyPr/>
+          <a:lstStyle/>
+          <a:p>
+            <a:r>
+              <a:rPr kumimoji="1" lang="ja-JP" altLang="en-US" dirty="0" smtClean="0"/>
+              <a:t>付加機能案</a:t>
+            </a:r>
+            <a:endParaRPr kumimoji="1" lang="ja-JP" altLang="en-US" dirty="0"/>
+          </a:p>
+        </p:txBody>
+      </p:sp>
+      <p:sp>
+        <p:nvSpPr>
+          <p:cNvPr id="3" name="コンテンツ プレースホルダー 2"/>
+          <p:cNvSpPr>
+            <a:spLocks noGrp="1"/>
+          </p:cNvSpPr>
+          <p:nvPr>
+            <p:ph idx="1"/>
+          </p:nvPr>
+        </p:nvSpPr>
+        <p:spPr/>
+        <p:txBody>
+          <a:bodyPr/>
+          <a:lstStyle/>
+          <a:p>
+            <a:pPr>
+              <a:buFont typeface="Wingdings" panose="05000000000000000000" pitchFamily="2" charset="2"/>
+              <a:buChar char="u"/>
+            </a:pPr>
+            <a:r>
+              <a:rPr kumimoji="1" lang="ja-JP" altLang="en-US" dirty="0" smtClean="0"/>
+              <a:t>オーナー向け</a:t>
+            </a:r>
+            <a:endParaRPr kumimoji="1" lang="en-US" altLang="ja-JP" dirty="0" smtClean="0"/>
+          </a:p>
+          <a:p>
+            <a:pPr lvl="1">
+              <a:buFont typeface="Wingdings" panose="05000000000000000000" pitchFamily="2" charset="2"/>
+              <a:buChar char="Ø"/>
+            </a:pPr>
+            <a:r>
+              <a:rPr kumimoji="1" lang="ja-JP" altLang="en-US" dirty="0" smtClean="0"/>
+              <a:t>契約・家賃の管理とか</a:t>
+            </a:r>
+            <a:endParaRPr kumimoji="1" lang="en-US" altLang="ja-JP" dirty="0" smtClean="0"/>
+          </a:p>
+          <a:p>
+            <a:pPr lvl="1">
+              <a:buFont typeface="Wingdings" panose="05000000000000000000" pitchFamily="2" charset="2"/>
+              <a:buChar char="Ø"/>
+            </a:pPr>
+            <a:r>
+              <a:rPr lang="ja-JP" altLang="en-US" dirty="0" smtClean="0"/>
+              <a:t>スケジュール管理（点検などのスケジュール公開）</a:t>
+            </a:r>
+            <a:endParaRPr lang="en-US" altLang="ja-JP" dirty="0" smtClean="0"/>
+          </a:p>
+          <a:p>
+            <a:pPr lvl="1">
+              <a:buFont typeface="Wingdings" panose="05000000000000000000" pitchFamily="2" charset="2"/>
+              <a:buChar char="Ø"/>
+            </a:pPr>
+            <a:endParaRPr lang="en-US" altLang="ja-JP" dirty="0"/>
+          </a:p>
+          <a:p>
+            <a:pPr>
+              <a:buFont typeface="Wingdings" panose="05000000000000000000" pitchFamily="2" charset="2"/>
+              <a:buChar char="u"/>
+            </a:pPr>
+            <a:r>
+              <a:rPr kumimoji="1" lang="ja-JP" altLang="en-US" dirty="0" smtClean="0"/>
+              <a:t>入居者向け</a:t>
+            </a:r>
+            <a:endParaRPr kumimoji="1" lang="en-US" altLang="ja-JP" dirty="0" smtClean="0"/>
+          </a:p>
+          <a:p>
+            <a:pPr lvl="1">
+              <a:buFont typeface="Wingdings" panose="05000000000000000000" pitchFamily="2" charset="2"/>
+              <a:buChar char="Ø"/>
+            </a:pPr>
+            <a:r>
+              <a:rPr kumimoji="1" lang="ja-JP" altLang="en-US" dirty="0" smtClean="0"/>
+              <a:t>・・・どんなものがあると便利なのかな・・・？</a:t>
+            </a:r>
+            <a:endParaRPr kumimoji="1" lang="en-US" altLang="ja-JP" dirty="0" smtClean="0"/>
+          </a:p>
+          <a:p>
+            <a:pPr lvl="1">
+              <a:buFont typeface="Wingdings" panose="05000000000000000000" pitchFamily="2" charset="2"/>
+              <a:buChar char="Ø"/>
+            </a:pPr>
+            <a:r>
+              <a:rPr lang="ja-JP" altLang="en-US" smtClean="0"/>
+              <a:t>改善要望</a:t>
+            </a:r>
+            <a:endParaRPr lang="en-US" altLang="ja-JP" dirty="0" smtClean="0"/>
+          </a:p>
+          <a:p>
+            <a:pPr lvl="1">
+              <a:buFont typeface="Wingdings" panose="05000000000000000000" pitchFamily="2" charset="2"/>
+              <a:buChar char="Ø"/>
+            </a:pPr>
+            <a:r>
+              <a:rPr kumimoji="1" lang="ja-JP" altLang="en-US" dirty="0" smtClean="0"/>
+              <a:t>アンケート機能</a:t>
+            </a:r>
+            <a:endParaRPr kumimoji="1" lang="en-US" altLang="ja-JP" dirty="0" smtClean="0"/>
+          </a:p>
+          <a:p>
+            <a:pPr lvl="1">
+              <a:buFont typeface="Wingdings" panose="05000000000000000000" pitchFamily="2" charset="2"/>
+              <a:buChar char="Ø"/>
+            </a:pPr>
+            <a:r>
+              <a:rPr lang="ja-JP" altLang="en-US" dirty="0" smtClean="0"/>
+              <a:t>評価</a:t>
+            </a:r>
+            <a:r>
+              <a:rPr lang="ja-JP" altLang="en-US" dirty="0"/>
+              <a:t>機能</a:t>
+            </a:r>
+            <a:endParaRPr kumimoji="1" lang="ja-JP" altLang="en-US" dirty="0"/>
+          </a:p>
+        </p:txBody>
+      </p:sp>
+    </p:spTree>
+    <p:extLst>
+      <p:ext uri="{BB962C8B-B14F-4D97-AF65-F5344CB8AC3E}">
+        <p14:creationId xmlns:p14="http://schemas.microsoft.com/office/powerpoint/2010/main" val="3677558119"/>
       </p:ext>
     </p:extLst>
   </p:cSld>
